--- a/Session_1_ML_DL_intro_python_MT2024.pptx
+++ b/Session_1_ML_DL_intro_python_MT2024.pptx
@@ -290,7 +290,7 @@
           <a:p>
             <a:fld id="{6984DE07-92F2-2343-975E-01B2B60DD88E}" type="datetimeFigureOut">
               <a:rPr lang="en-US" smtClean="0"/>
-              <a:t>1/26/25</a:t>
+              <a:t>3/3/25</a:t>
             </a:fld>
             <a:endParaRPr lang="en-US"/>
           </a:p>
@@ -456,7 +456,7 @@
           <a:p>
             <a:fld id="{A01ED2CA-7419-5A44-8670-92F855D272C3}" type="datetimeFigureOut">
               <a:rPr lang="en-US" smtClean="0"/>
-              <a:t>1/26/25</a:t>
+              <a:t>3/3/25</a:t>
             </a:fld>
             <a:endParaRPr lang="en-US"/>
           </a:p>
@@ -3857,8 +3857,20 @@
           <a:lstStyle/>
           <a:p>
             <a:r>
+              <a:rPr lang="ru-RU" sz="3200" dirty="0"/>
+              <a:t>3</a:t>
+            </a:r>
+            <a:r>
               <a:rPr lang="en-GB" sz="3200" dirty="0"/>
-              <a:t>27/01/2025</a:t>
+              <a:t>/0</a:t>
+            </a:r>
+            <a:r>
+              <a:rPr lang="ru-RU" sz="3200"/>
+              <a:t>3</a:t>
+            </a:r>
+            <a:r>
+              <a:rPr lang="en-GB" sz="3200"/>
+              <a:t>/2025</a:t>
             </a:r>
             <a:endParaRPr lang="en-US" sz="3200" dirty="0"/>
           </a:p>
@@ -8460,12 +8472,13 @@
               <a:rPr lang="en-US" sz="2000" dirty="0">
                 <a:hlinkClick r:id="rId2"/>
               </a:rPr>
-              <a:t>https://github.com/sraorao/ML_DL_intro_python_HT2025/</a:t>
-            </a:r>
-            <a:r>
-              <a:rPr lang="en-US" sz="2000" dirty="0"/>
+              <a:t>https://github.com/sraorao/ML_DL_intro_python_HT2025_2</a:t>
+            </a:r>
+            <a:r>
+              <a:rPr lang="ru-RU" sz="2000" dirty="0"/>
               <a:t> </a:t>
             </a:r>
+            <a:endParaRPr lang="en-US" sz="2000" dirty="0"/>
           </a:p>
         </p:txBody>
       </p:sp>
